--- a/Project Marketing slide.pptx
+++ b/Project Marketing slide.pptx
@@ -298,7 +298,7 @@
           <a:p>
             <a:fld id="{E2393F79-3330-45EB-8D83-D11AE2CD5782}" type="datetime1">
               <a:rPr lang="en-US" smtClean="0"/>
-              <a:t>4/28/2019</a:t>
+              <a:t>5/5/2019</a:t>
             </a:fld>
             <a:endParaRPr lang="en-US" dirty="0"/>
           </a:p>
@@ -573,7 +573,7 @@
           <a:p>
             <a:fld id="{C0A54EEF-872C-4237-81C0-4BBDA64DC8D0}" type="datetime1">
               <a:rPr lang="en-US" smtClean="0"/>
-              <a:t>4/28/2019</a:t>
+              <a:t>5/5/2019</a:t>
             </a:fld>
             <a:endParaRPr lang="en-US" dirty="0"/>
           </a:p>
@@ -767,7 +767,7 @@
           <a:p>
             <a:fld id="{E34575AD-B852-4828-A975-A08051DBF725}" type="datetime1">
               <a:rPr lang="en-US" smtClean="0"/>
-              <a:t>4/28/2019</a:t>
+              <a:t>5/5/2019</a:t>
             </a:fld>
             <a:endParaRPr lang="en-US" dirty="0"/>
           </a:p>
@@ -1040,7 +1040,7 @@
           <a:p>
             <a:fld id="{A25FA06D-FEB0-4F55-8589-A472F9789610}" type="datetime1">
               <a:rPr lang="en-US" smtClean="0"/>
-              <a:t>4/28/2019</a:t>
+              <a:t>5/5/2019</a:t>
             </a:fld>
             <a:endParaRPr lang="en-US" dirty="0"/>
           </a:p>
@@ -1381,7 +1381,7 @@
           <a:p>
             <a:fld id="{71D31005-5475-4B38-82B5-966E175A68E3}" type="datetime1">
               <a:rPr lang="en-US" smtClean="0"/>
-              <a:t>4/28/2019</a:t>
+              <a:t>5/5/2019</a:t>
             </a:fld>
             <a:endParaRPr lang="en-US" dirty="0"/>
           </a:p>
@@ -2004,7 +2004,7 @@
           <a:p>
             <a:fld id="{3DEC2C86-EB63-4D67-986A-446C006F4E82}" type="datetime1">
               <a:rPr lang="en-US" smtClean="0"/>
-              <a:t>4/28/2019</a:t>
+              <a:t>5/5/2019</a:t>
             </a:fld>
             <a:endParaRPr lang="en-US" dirty="0"/>
           </a:p>
@@ -2864,7 +2864,7 @@
           <a:p>
             <a:fld id="{FF58B11B-7A21-474D-8C28-1056EB3ED501}" type="datetime1">
               <a:rPr lang="en-US" smtClean="0"/>
-              <a:t>4/28/2019</a:t>
+              <a:t>5/5/2019</a:t>
             </a:fld>
             <a:endParaRPr lang="en-US" dirty="0"/>
           </a:p>
@@ -3034,7 +3034,7 @@
           <a:p>
             <a:fld id="{FE00AC27-4E59-4D8A-B0C8-30DA03BF12DB}" type="datetime1">
               <a:rPr lang="en-US" smtClean="0"/>
-              <a:t>4/28/2019</a:t>
+              <a:t>5/5/2019</a:t>
             </a:fld>
             <a:endParaRPr lang="en-US" dirty="0"/>
           </a:p>
@@ -3214,7 +3214,7 @@
           <a:p>
             <a:fld id="{64AFC864-D436-4BD2-ACAE-0C8A3315FEEE}" type="datetime1">
               <a:rPr lang="en-US" smtClean="0"/>
-              <a:t>4/28/2019</a:t>
+              <a:t>5/5/2019</a:t>
             </a:fld>
             <a:endParaRPr lang="en-US" dirty="0"/>
           </a:p>
@@ -3384,7 +3384,7 @@
           <a:p>
             <a:fld id="{8A05BF76-319A-4987-8748-7447ABA15B64}" type="datetime1">
               <a:rPr lang="en-US" smtClean="0"/>
-              <a:t>4/28/2019</a:t>
+              <a:t>5/5/2019</a:t>
             </a:fld>
             <a:endParaRPr lang="en-US" dirty="0"/>
           </a:p>
@@ -3631,7 +3631,7 @@
           <a:p>
             <a:fld id="{2086ECBE-0080-457B-8C98-726EE2B62AEC}" type="datetime1">
               <a:rPr lang="en-US" smtClean="0"/>
-              <a:t>4/28/2019</a:t>
+              <a:t>5/5/2019</a:t>
             </a:fld>
             <a:endParaRPr lang="en-US" dirty="0"/>
           </a:p>
@@ -3923,7 +3923,7 @@
           <a:p>
             <a:fld id="{35DE0DB1-9FAE-4B24-AFFE-74C64838296E}" type="datetime1">
               <a:rPr lang="en-US" smtClean="0"/>
-              <a:t>4/28/2019</a:t>
+              <a:t>5/5/2019</a:t>
             </a:fld>
             <a:endParaRPr lang="en-US" dirty="0"/>
           </a:p>
@@ -4367,7 +4367,7 @@
           <a:p>
             <a:fld id="{DD155C01-8360-4BF9-BDEA-148F963BB25B}" type="datetime1">
               <a:rPr lang="en-US" smtClean="0"/>
-              <a:t>4/28/2019</a:t>
+              <a:t>5/5/2019</a:t>
             </a:fld>
             <a:endParaRPr lang="en-US" dirty="0"/>
           </a:p>
@@ -4485,7 +4485,7 @@
           <a:p>
             <a:fld id="{F6D88021-808E-4297-AA72-B9E82D6EA430}" type="datetime1">
               <a:rPr lang="en-US" smtClean="0"/>
-              <a:t>4/28/2019</a:t>
+              <a:t>5/5/2019</a:t>
             </a:fld>
             <a:endParaRPr lang="en-US" dirty="0"/>
           </a:p>
@@ -4580,7 +4580,7 @@
           <a:p>
             <a:fld id="{94B1ADB8-915A-4A4B-8150-663AEBB75379}" type="datetime1">
               <a:rPr lang="en-US" smtClean="0"/>
-              <a:t>4/28/2019</a:t>
+              <a:t>5/5/2019</a:t>
             </a:fld>
             <a:endParaRPr lang="en-US" dirty="0"/>
           </a:p>
@@ -4859,7 +4859,7 @@
           <a:p>
             <a:fld id="{77E686D9-9537-476E-9B6A-F1FEC5007980}" type="datetime1">
               <a:rPr lang="en-US" smtClean="0"/>
-              <a:t>4/28/2019</a:t>
+              <a:t>5/5/2019</a:t>
             </a:fld>
             <a:endParaRPr lang="en-US" dirty="0"/>
           </a:p>
@@ -5134,7 +5134,7 @@
           <a:p>
             <a:fld id="{C94657EC-E4CC-4ADA-88EB-21E2E6716319}" type="datetime1">
               <a:rPr lang="en-US" smtClean="0"/>
-              <a:t>4/28/2019</a:t>
+              <a:t>5/5/2019</a:t>
             </a:fld>
             <a:endParaRPr lang="en-US" dirty="0"/>
           </a:p>
@@ -5563,7 +5563,7 @@
           <a:p>
             <a:fld id="{3E932C01-C2D7-4DE2-9BDE-29CD9A0F1726}" type="datetime1">
               <a:rPr lang="en-US" smtClean="0"/>
-              <a:t>4/28/2019</a:t>
+              <a:t>5/5/2019</a:t>
             </a:fld>
             <a:endParaRPr lang="en-US" dirty="0"/>
           </a:p>
@@ -6358,15 +6358,7 @@
           <a:p>
             <a:r>
               <a:rPr lang="en-US" dirty="0"/>
-              <a:t>Goal is to pull this data together in one site for a simple </a:t>
-            </a:r>
-            <a:r>
-              <a:rPr lang="en-US" dirty="0" err="1"/>
-              <a:t>comparsion</a:t>
-            </a:r>
-            <a:r>
-              <a:rPr lang="en-US" dirty="0"/>
-              <a:t> of a chosen hospital</a:t>
+              <a:t>Goal is to pull this data together in one site for a simple comparison of a chosen hospital</a:t>
             </a:r>
           </a:p>
         </p:txBody>
@@ -6493,7 +6485,7 @@
         <p:spPr>
           <a:xfrm>
             <a:off x="545532" y="5337224"/>
-            <a:ext cx="6096000" cy="3046988"/>
+            <a:ext cx="6096000" cy="1267557"/>
           </a:xfrm>
           <a:prstGeom prst="rect">
             <a:avLst/>
@@ -6501,7 +6493,7 @@
         </p:spPr>
         <p:txBody>
           <a:bodyPr>
-            <a:spAutoFit/>
+            <a:noAutofit/>
           </a:bodyPr>
           <a:lstStyle/>
           <a:p>
@@ -6518,17 +6510,75 @@
           </a:p>
           <a:p>
             <a:r>
-              <a:rPr lang="en-US" sz="1200" dirty="0"/>
-              <a:t>github.com/</a:t>
-            </a:r>
-            <a:r>
-              <a:rPr lang="en-US" sz="1200" dirty="0" err="1"/>
-              <a:t>plotly</a:t>
-            </a:r>
-            <a:r>
-              <a:rPr lang="en-US" sz="1200" dirty="0"/>
-              <a:t>/dash</a:t>
-            </a:r>
+              <a:rPr lang="en-US" sz="1200" dirty="0">
+                <a:solidFill>
+                  <a:schemeClr val="accent5">
+                    <a:lumMod val="20000"/>
+                    <a:lumOff val="80000"/>
+                  </a:schemeClr>
+                </a:solidFill>
+                <a:hlinkClick r:id="rId9">
+                  <a:extLst>
+                    <a:ext uri="{A12FA001-AC4F-418D-AE19-62706E023703}">
+                      <ahyp:hlinkClr xmlns:ahyp="http://schemas.microsoft.com/office/drawing/2018/hyperlinkcolor" val="tx"/>
+                    </a:ext>
+                  </a:extLst>
+                </a:hlinkClick>
+              </a:rPr>
+              <a:t>https://github.com/jvns/pandas-cookbook</a:t>
+            </a:r>
+            <a:endParaRPr lang="en-US" sz="1200" dirty="0">
+              <a:solidFill>
+                <a:schemeClr val="accent5">
+                  <a:lumMod val="20000"/>
+                  <a:lumOff val="80000"/>
+                </a:schemeClr>
+              </a:solidFill>
+            </a:endParaRPr>
+          </a:p>
+          <a:p>
+            <a:r>
+              <a:rPr lang="en-US" sz="1200" dirty="0">
+                <a:solidFill>
+                  <a:schemeClr val="accent5">
+                    <a:lumMod val="20000"/>
+                    <a:lumOff val="80000"/>
+                  </a:schemeClr>
+                </a:solidFill>
+              </a:rPr>
+              <a:t>https://github.com/plotly/dash</a:t>
+            </a:r>
+          </a:p>
+          <a:p>
+            <a:r>
+              <a:rPr lang="en-US" sz="1200" dirty="0">
+                <a:solidFill>
+                  <a:schemeClr val="accent5">
+                    <a:lumMod val="20000"/>
+                    <a:lumOff val="80000"/>
+                  </a:schemeClr>
+                </a:solidFill>
+                <a:hlinkClick r:id="rId10">
+                  <a:extLst>
+                    <a:ext uri="{A12FA001-AC4F-418D-AE19-62706E023703}">
+                      <ahyp:hlinkClr xmlns:ahyp="http://schemas.microsoft.com/office/drawing/2018/hyperlinkcolor" val="tx"/>
+                    </a:ext>
+                  </a:extLst>
+                </a:hlinkClick>
+              </a:rPr>
+              <a:t>https://github.com/plotly/plotly_express</a:t>
+            </a:r>
+            <a:endParaRPr lang="en-US" sz="1200" dirty="0">
+              <a:solidFill>
+                <a:schemeClr val="accent5">
+                  <a:lumMod val="20000"/>
+                  <a:lumOff val="80000"/>
+                </a:schemeClr>
+              </a:solidFill>
+            </a:endParaRPr>
+          </a:p>
+          <a:p>
+            <a:endParaRPr lang="en-US" sz="1200" dirty="0"/>
           </a:p>
           <a:p>
             <a:endParaRPr lang="en-US" sz="1200" dirty="0"/>
@@ -6582,7 +6632,7 @@
         </p:nvSpPr>
         <p:spPr>
           <a:xfrm>
-            <a:off x="545532" y="5060225"/>
+            <a:off x="530763" y="4840244"/>
             <a:ext cx="3976382" cy="276999"/>
           </a:xfrm>
           <a:prstGeom prst="rect">
@@ -6599,45 +6649,6 @@
             <a:r>
               <a:rPr lang="en-US" sz="1200" b="1" u="sng" dirty="0"/>
               <a:t>Acknowledgements:</a:t>
-            </a:r>
-          </a:p>
-        </p:txBody>
-      </p:sp>
-      <p:sp>
-        <p:nvSpPr>
-          <p:cNvPr id="17" name="TextBox 16">
-            <a:extLst>
-              <a:ext uri="{FF2B5EF4-FFF2-40B4-BE49-F238E27FC236}">
-                <a16:creationId xmlns:a16="http://schemas.microsoft.com/office/drawing/2014/main" id="{D04FB907-3932-44A7-A6D9-FEB053C626F6}"/>
-              </a:ext>
-            </a:extLst>
-          </p:cNvPr>
-          <p:cNvSpPr txBox="1"/>
-          <p:nvPr/>
-        </p:nvSpPr>
-        <p:spPr>
-          <a:xfrm>
-            <a:off x="530763" y="6331787"/>
-            <a:ext cx="6110769" cy="276999"/>
-          </a:xfrm>
-          <a:prstGeom prst="rect">
-            <a:avLst/>
-          </a:prstGeom>
-          <a:noFill/>
-        </p:spPr>
-        <p:txBody>
-          <a:bodyPr wrap="square" rtlCol="0">
-            <a:spAutoFit/>
-          </a:bodyPr>
-          <a:lstStyle/>
-          <a:p>
-            <a:r>
-              <a:rPr lang="en-US" sz="1200" dirty="0" err="1"/>
-              <a:t>Datacamp</a:t>
-            </a:r>
-            <a:r>
-              <a:rPr lang="en-US" sz="1200" dirty="0"/>
-              <a:t>  - for simple and informative tutorials</a:t>
             </a:r>
           </a:p>
         </p:txBody>
@@ -6657,7 +6668,7 @@
           <p:nvPr/>
         </p:nvPicPr>
         <p:blipFill>
-          <a:blip r:embed="rId9"/>
+          <a:blip r:embed="rId11"/>
           <a:stretch>
             <a:fillRect/>
           </a:stretch>
